--- a/Prezentacija-Daljnji-distribuirani-algoritmi-za-međusobno-isključivanje-1.pptx
+++ b/Prezentacija-Daljnji-distribuirani-algoritmi-za-međusobno-isključivanje-1.pptx
@@ -270,7 +270,7 @@
           <a:p>
             <a:fld id="{6DAFAF4B-AFA5-42A1-9AA2-D7661BA73D7F}" type="datetimeFigureOut">
               <a:rPr lang="hr-HR" smtClean="0"/>
-              <a:t>27.9.2021.</a:t>
+              <a:t>28.9.2021.</a:t>
             </a:fld>
             <a:endParaRPr lang="hr-HR"/>
           </a:p>
@@ -440,7 +440,7 @@
           <a:p>
             <a:fld id="{6DAFAF4B-AFA5-42A1-9AA2-D7661BA73D7F}" type="datetimeFigureOut">
               <a:rPr lang="hr-HR" smtClean="0"/>
-              <a:t>27.9.2021.</a:t>
+              <a:t>28.9.2021.</a:t>
             </a:fld>
             <a:endParaRPr lang="hr-HR"/>
           </a:p>
@@ -620,7 +620,7 @@
           <a:p>
             <a:fld id="{6DAFAF4B-AFA5-42A1-9AA2-D7661BA73D7F}" type="datetimeFigureOut">
               <a:rPr lang="hr-HR" smtClean="0"/>
-              <a:t>27.9.2021.</a:t>
+              <a:t>28.9.2021.</a:t>
             </a:fld>
             <a:endParaRPr lang="hr-HR"/>
           </a:p>
@@ -790,7 +790,7 @@
           <a:p>
             <a:fld id="{6DAFAF4B-AFA5-42A1-9AA2-D7661BA73D7F}" type="datetimeFigureOut">
               <a:rPr lang="hr-HR" smtClean="0"/>
-              <a:t>27.9.2021.</a:t>
+              <a:t>28.9.2021.</a:t>
             </a:fld>
             <a:endParaRPr lang="hr-HR"/>
           </a:p>
@@ -1036,7 +1036,7 @@
           <a:p>
             <a:fld id="{6DAFAF4B-AFA5-42A1-9AA2-D7661BA73D7F}" type="datetimeFigureOut">
               <a:rPr lang="hr-HR" smtClean="0"/>
-              <a:t>27.9.2021.</a:t>
+              <a:t>28.9.2021.</a:t>
             </a:fld>
             <a:endParaRPr lang="hr-HR"/>
           </a:p>
@@ -1268,7 +1268,7 @@
           <a:p>
             <a:fld id="{6DAFAF4B-AFA5-42A1-9AA2-D7661BA73D7F}" type="datetimeFigureOut">
               <a:rPr lang="hr-HR" smtClean="0"/>
-              <a:t>27.9.2021.</a:t>
+              <a:t>28.9.2021.</a:t>
             </a:fld>
             <a:endParaRPr lang="hr-HR"/>
           </a:p>
@@ -1635,7 +1635,7 @@
           <a:p>
             <a:fld id="{6DAFAF4B-AFA5-42A1-9AA2-D7661BA73D7F}" type="datetimeFigureOut">
               <a:rPr lang="hr-HR" smtClean="0"/>
-              <a:t>27.9.2021.</a:t>
+              <a:t>28.9.2021.</a:t>
             </a:fld>
             <a:endParaRPr lang="hr-HR"/>
           </a:p>
@@ -1753,7 +1753,7 @@
           <a:p>
             <a:fld id="{6DAFAF4B-AFA5-42A1-9AA2-D7661BA73D7F}" type="datetimeFigureOut">
               <a:rPr lang="hr-HR" smtClean="0"/>
-              <a:t>27.9.2021.</a:t>
+              <a:t>28.9.2021.</a:t>
             </a:fld>
             <a:endParaRPr lang="hr-HR"/>
           </a:p>
@@ -1848,7 +1848,7 @@
           <a:p>
             <a:fld id="{6DAFAF4B-AFA5-42A1-9AA2-D7661BA73D7F}" type="datetimeFigureOut">
               <a:rPr lang="hr-HR" smtClean="0"/>
-              <a:t>27.9.2021.</a:t>
+              <a:t>28.9.2021.</a:t>
             </a:fld>
             <a:endParaRPr lang="hr-HR"/>
           </a:p>
@@ -2125,7 +2125,7 @@
           <a:p>
             <a:fld id="{6DAFAF4B-AFA5-42A1-9AA2-D7661BA73D7F}" type="datetimeFigureOut">
               <a:rPr lang="hr-HR" smtClean="0"/>
-              <a:t>27.9.2021.</a:t>
+              <a:t>28.9.2021.</a:t>
             </a:fld>
             <a:endParaRPr lang="hr-HR"/>
           </a:p>
@@ -2378,7 +2378,7 @@
           <a:p>
             <a:fld id="{6DAFAF4B-AFA5-42A1-9AA2-D7661BA73D7F}" type="datetimeFigureOut">
               <a:rPr lang="hr-HR" smtClean="0"/>
-              <a:t>27.9.2021.</a:t>
+              <a:t>28.9.2021.</a:t>
             </a:fld>
             <a:endParaRPr lang="hr-HR"/>
           </a:p>
@@ -2591,7 +2591,7 @@
           <a:p>
             <a:fld id="{6DAFAF4B-AFA5-42A1-9AA2-D7661BA73D7F}" type="datetimeFigureOut">
               <a:rPr lang="hr-HR" smtClean="0"/>
-              <a:t>27.9.2021.</a:t>
+              <a:t>28.9.2021.</a:t>
             </a:fld>
             <a:endParaRPr lang="hr-HR"/>
           </a:p>
@@ -3205,6 +3205,10 @@
                 <a:rPr lang="hr-HR" sz="2000" baseline="-25000" dirty="0"/>
                 <a:t>2</a:t>
               </a:r>
+              <a:r>
+                <a:rPr lang="hr-HR" sz="2000" dirty="0"/>
+                <a:t/>
+              </a:r>
               <a:br>
                 <a:rPr lang="hr-HR" sz="2000" dirty="0"/>
               </a:br>
@@ -3358,6 +3362,10 @@
                 <a:rPr lang="hr-HR" sz="2000" baseline="-25000" dirty="0"/>
                 <a:t>2</a:t>
               </a:r>
+              <a:r>
+                <a:rPr lang="hr-HR" sz="2000" dirty="0"/>
+                <a:t/>
+              </a:r>
               <a:br>
                 <a:rPr lang="hr-HR" sz="2000" dirty="0"/>
               </a:br>
@@ -3499,6 +3507,10 @@
               <a:r>
                 <a:rPr lang="hr-HR" sz="2000" baseline="-25000" dirty="0"/>
                 <a:t>2</a:t>
+              </a:r>
+              <a:r>
+                <a:rPr lang="hr-HR" sz="2000" dirty="0"/>
+                <a:t/>
               </a:r>
               <a:br>
                 <a:rPr lang="hr-HR" sz="2000" dirty="0"/>
@@ -4076,6 +4088,10 @@
                 <a:rPr lang="hr-HR" sz="2000" baseline="-25000" dirty="0"/>
                 <a:t>2</a:t>
               </a:r>
+              <a:r>
+                <a:rPr lang="hr-HR" sz="2000" dirty="0"/>
+                <a:t/>
+              </a:r>
               <a:br>
                 <a:rPr lang="hr-HR" sz="2000" dirty="0"/>
               </a:br>
@@ -4229,6 +4245,10 @@
                 <a:rPr lang="hr-HR" sz="2000" baseline="-25000" dirty="0"/>
                 <a:t>2</a:t>
               </a:r>
+              <a:r>
+                <a:rPr lang="hr-HR" sz="2000" dirty="0"/>
+                <a:t/>
+              </a:r>
               <a:br>
                 <a:rPr lang="hr-HR" sz="2000" dirty="0"/>
               </a:br>
@@ -4371,6 +4391,10 @@
                 <a:rPr lang="hr-HR" sz="2000" baseline="-25000" dirty="0"/>
                 <a:t>2</a:t>
               </a:r>
+              <a:r>
+                <a:rPr lang="hr-HR" sz="2000" dirty="0"/>
+                <a:t/>
+              </a:r>
               <a:br>
                 <a:rPr lang="hr-HR" sz="2000" dirty="0"/>
               </a:br>
@@ -5077,6 +5101,10 @@
                 <a:rPr lang="hr-HR" sz="2000" baseline="-25000" dirty="0"/>
                 <a:t>2</a:t>
               </a:r>
+              <a:r>
+                <a:rPr lang="hr-HR" sz="2000" dirty="0"/>
+                <a:t/>
+              </a:r>
               <a:br>
                 <a:rPr lang="hr-HR" sz="2000" dirty="0"/>
               </a:br>
@@ -5230,6 +5258,10 @@
                 <a:rPr lang="hr-HR" sz="2000" baseline="-25000" dirty="0"/>
                 <a:t>2</a:t>
               </a:r>
+              <a:r>
+                <a:rPr lang="hr-HR" sz="2000" dirty="0"/>
+                <a:t/>
+              </a:r>
               <a:br>
                 <a:rPr lang="hr-HR" sz="2000" dirty="0"/>
               </a:br>
@@ -5372,6 +5404,10 @@
                 <a:rPr lang="hr-HR" sz="2000" baseline="-25000" dirty="0"/>
                 <a:t>2</a:t>
               </a:r>
+              <a:r>
+                <a:rPr lang="hr-HR" sz="2000" dirty="0"/>
+                <a:t/>
+              </a:r>
               <a:br>
                 <a:rPr lang="hr-HR" sz="2000" dirty="0"/>
               </a:br>
@@ -5507,7 +5543,7 @@
                 <a:rPr lang="hr-HR" sz="2000" baseline="-25000" dirty="0"/>
               </a:br>
               <a:r>
-                <a:rPr lang="hr-HR" sz="2000" dirty="0">
+                <a:rPr lang="hr-HR" sz="2000" dirty="0" smtClean="0">
                   <a:solidFill>
                     <a:srgbClr val="FF0000"/>
                   </a:solidFill>
@@ -5515,13 +5551,18 @@
                 <a:t>S</a:t>
               </a:r>
               <a:r>
-                <a:rPr lang="hr-HR" sz="2000" baseline="-25000" dirty="0">
+                <a:rPr lang="hr-HR" sz="2000" baseline="-25000" dirty="0" smtClean="0">
                   <a:solidFill>
                     <a:srgbClr val="FF0000"/>
                   </a:solidFill>
                 </a:rPr>
-                <a:t>3</a:t>
-              </a:r>
+                <a:t>4</a:t>
+              </a:r>
+              <a:endParaRPr lang="hr-HR" sz="2000" baseline="-25000" dirty="0">
+                <a:solidFill>
+                  <a:srgbClr val="FF0000"/>
+                </a:solidFill>
+              </a:endParaRPr>
             </a:p>
             <a:p>
               <a:pPr algn="ctr">
@@ -5643,7 +5684,7 @@
                 <a:rPr lang="hr-HR" sz="2000" baseline="-25000" dirty="0"/>
               </a:br>
               <a:r>
-                <a:rPr lang="hr-HR" sz="2000" dirty="0">
+                <a:rPr lang="hr-HR" sz="2000" dirty="0" smtClean="0">
                   <a:solidFill>
                     <a:srgbClr val="FF0000"/>
                   </a:solidFill>
@@ -5651,13 +5692,18 @@
                 <a:t>S</a:t>
               </a:r>
               <a:r>
-                <a:rPr lang="hr-HR" sz="2000" baseline="-25000" dirty="0">
+                <a:rPr lang="hr-HR" sz="2000" baseline="-25000" dirty="0" smtClean="0">
                   <a:solidFill>
                     <a:srgbClr val="FF0000"/>
                   </a:solidFill>
                 </a:rPr>
-                <a:t>3</a:t>
-              </a:r>
+                <a:t>4</a:t>
+              </a:r>
+              <a:endParaRPr lang="hr-HR" sz="2000" baseline="-25000" dirty="0">
+                <a:solidFill>
+                  <a:srgbClr val="FF0000"/>
+                </a:solidFill>
+              </a:endParaRPr>
             </a:p>
           </p:txBody>
         </p:sp>
@@ -5760,7 +5806,7 @@
                 </a:spcAft>
               </a:pPr>
               <a:r>
-                <a:rPr lang="hr-HR" sz="2000" dirty="0">
+                <a:rPr lang="hr-HR" sz="2000" dirty="0" smtClean="0">
                   <a:solidFill>
                     <a:srgbClr val="FF0000"/>
                   </a:solidFill>
@@ -5768,13 +5814,18 @@
                 <a:t>S</a:t>
               </a:r>
               <a:r>
-                <a:rPr lang="hr-HR" sz="2000" baseline="-25000" dirty="0">
+                <a:rPr lang="hr-HR" sz="2000" baseline="-25000" dirty="0" smtClean="0">
                   <a:solidFill>
                     <a:srgbClr val="FF0000"/>
                   </a:solidFill>
                 </a:rPr>
-                <a:t>3</a:t>
-              </a:r>
+                <a:t>4</a:t>
+              </a:r>
+              <a:endParaRPr lang="hr-HR" sz="2000" baseline="-25000" dirty="0">
+                <a:solidFill>
+                  <a:srgbClr val="FF0000"/>
+                </a:solidFill>
+              </a:endParaRPr>
             </a:p>
           </p:txBody>
         </p:sp>
@@ -6151,6 +6202,10 @@
               <a:r>
                 <a:rPr lang="hr-HR" sz="2000" baseline="-25000" dirty="0"/>
                 <a:t>2</a:t>
+              </a:r>
+              <a:r>
+                <a:rPr lang="hr-HR" sz="2000" dirty="0"/>
+                <a:t/>
               </a:r>
               <a:br>
                 <a:rPr lang="hr-HR" sz="2000" dirty="0"/>
@@ -6305,6 +6360,10 @@
                 <a:rPr lang="hr-HR" sz="2000" baseline="-25000" dirty="0"/>
                 <a:t>2</a:t>
               </a:r>
+              <a:r>
+                <a:rPr lang="hr-HR" sz="2000" dirty="0"/>
+                <a:t/>
+              </a:r>
               <a:br>
                 <a:rPr lang="hr-HR" sz="2000" dirty="0"/>
               </a:br>
@@ -6477,6 +6536,16 @@
                 </a:rPr>
                 <a:t>2</a:t>
               </a:r>
+              <a:r>
+                <a:rPr lang="hr-HR" sz="2000" dirty="0">
+                  <a:solidFill>
+                    <a:schemeClr val="bg1">
+                      <a:lumMod val="65000"/>
+                    </a:schemeClr>
+                  </a:solidFill>
+                </a:rPr>
+                <a:t/>
+              </a:r>
               <a:br>
                 <a:rPr lang="hr-HR" sz="2000" dirty="0">
                   <a:solidFill>
@@ -6630,7 +6699,7 @@
                 <a:rPr lang="hr-HR" sz="2000" baseline="-25000" dirty="0"/>
               </a:br>
               <a:r>
-                <a:rPr lang="hr-HR" sz="2000" dirty="0">
+                <a:rPr lang="hr-HR" sz="2000" dirty="0" smtClean="0">
                   <a:solidFill>
                     <a:srgbClr val="FF0000"/>
                   </a:solidFill>
@@ -6638,13 +6707,18 @@
                 <a:t>S</a:t>
               </a:r>
               <a:r>
-                <a:rPr lang="hr-HR" sz="2000" baseline="-25000" dirty="0">
+                <a:rPr lang="hr-HR" sz="2000" baseline="-25000" dirty="0" smtClean="0">
                   <a:solidFill>
                     <a:srgbClr val="FF0000"/>
                   </a:solidFill>
                 </a:rPr>
-                <a:t>3</a:t>
-              </a:r>
+                <a:t>4</a:t>
+              </a:r>
+              <a:endParaRPr lang="hr-HR" sz="2000" baseline="-25000" dirty="0">
+                <a:solidFill>
+                  <a:srgbClr val="FF0000"/>
+                </a:solidFill>
+              </a:endParaRPr>
             </a:p>
             <a:p>
               <a:pPr algn="ctr">
@@ -6766,7 +6840,7 @@
                 <a:rPr lang="hr-HR" sz="2000" baseline="-25000" dirty="0"/>
               </a:br>
               <a:r>
-                <a:rPr lang="hr-HR" sz="2000" dirty="0">
+                <a:rPr lang="hr-HR" sz="2000" dirty="0" smtClean="0">
                   <a:solidFill>
                     <a:srgbClr val="FF0000"/>
                   </a:solidFill>
@@ -6774,13 +6848,18 @@
                 <a:t>S</a:t>
               </a:r>
               <a:r>
-                <a:rPr lang="hr-HR" sz="2000" baseline="-25000" dirty="0">
+                <a:rPr lang="hr-HR" sz="2000" baseline="-25000" dirty="0" smtClean="0">
                   <a:solidFill>
                     <a:srgbClr val="FF0000"/>
                   </a:solidFill>
                 </a:rPr>
-                <a:t>3</a:t>
-              </a:r>
+                <a:t>4</a:t>
+              </a:r>
+              <a:endParaRPr lang="hr-HR" sz="2000" baseline="-25000" dirty="0">
+                <a:solidFill>
+                  <a:srgbClr val="FF0000"/>
+                </a:solidFill>
+              </a:endParaRPr>
             </a:p>
           </p:txBody>
         </p:sp>
@@ -6883,7 +6962,7 @@
                 </a:spcAft>
               </a:pPr>
               <a:r>
-                <a:rPr lang="hr-HR" sz="2000" dirty="0">
+                <a:rPr lang="hr-HR" sz="2000" dirty="0" smtClean="0">
                   <a:solidFill>
                     <a:srgbClr val="FF0000"/>
                   </a:solidFill>
@@ -6891,13 +6970,18 @@
                 <a:t>S</a:t>
               </a:r>
               <a:r>
-                <a:rPr lang="hr-HR" sz="2000" baseline="-25000" dirty="0">
+                <a:rPr lang="hr-HR" sz="2000" baseline="-25000" dirty="0" smtClean="0">
                   <a:solidFill>
                     <a:srgbClr val="FF0000"/>
                   </a:solidFill>
                 </a:rPr>
-                <a:t>3</a:t>
-              </a:r>
+                <a:t>4</a:t>
+              </a:r>
+              <a:endParaRPr lang="hr-HR" sz="2000" baseline="-25000" dirty="0">
+                <a:solidFill>
+                  <a:srgbClr val="FF0000"/>
+                </a:solidFill>
+              </a:endParaRPr>
             </a:p>
           </p:txBody>
         </p:sp>
@@ -7097,6 +7181,10 @@
                 <a:rPr lang="hr-HR" sz="2000" baseline="-25000" dirty="0"/>
                 <a:t>2</a:t>
               </a:r>
+              <a:r>
+                <a:rPr lang="hr-HR" sz="2000" dirty="0"/>
+                <a:t/>
+              </a:r>
               <a:br>
                 <a:rPr lang="hr-HR" sz="2000" dirty="0"/>
               </a:br>
@@ -7249,6 +7337,10 @@
               <a:r>
                 <a:rPr lang="hr-HR" sz="2000" baseline="-25000" dirty="0"/>
                 <a:t>2</a:t>
+              </a:r>
+              <a:r>
+                <a:rPr lang="hr-HR" sz="2000" dirty="0"/>
+                <a:t/>
               </a:r>
               <a:br>
                 <a:rPr lang="hr-HR" sz="2000" dirty="0"/>
@@ -7922,6 +8014,10 @@
                 </a:rPr>
                 <a:t>4</a:t>
               </a:r>
+              <a:r>
+                <a:rPr lang="hr-HR" sz="2000" baseline="-25000" dirty="0"/>
+                <a:t/>
+              </a:r>
               <a:br>
                 <a:rPr lang="hr-HR" sz="2000" baseline="-25000" dirty="0"/>
               </a:br>
@@ -7943,6 +8039,10 @@
               <a:r>
                 <a:rPr lang="hr-HR" sz="2000" baseline="-25000" dirty="0"/>
                 <a:t>2</a:t>
+              </a:r>
+              <a:r>
+                <a:rPr lang="hr-HR" sz="2000" dirty="0"/>
+                <a:t/>
               </a:r>
               <a:br>
                 <a:rPr lang="hr-HR" sz="2000" dirty="0"/>
@@ -8083,6 +8183,10 @@
                 </a:rPr>
                 <a:t>4</a:t>
               </a:r>
+              <a:r>
+                <a:rPr lang="hr-HR" sz="2000" baseline="-25000" dirty="0"/>
+                <a:t/>
+              </a:r>
               <a:br>
                 <a:rPr lang="hr-HR" sz="2000" baseline="-25000" dirty="0"/>
               </a:br>
@@ -8104,6 +8208,10 @@
               <a:r>
                 <a:rPr lang="hr-HR" sz="2000" baseline="-25000" dirty="0"/>
                 <a:t>2</a:t>
+              </a:r>
+              <a:r>
+                <a:rPr lang="hr-HR" sz="2000" dirty="0"/>
+                <a:t/>
               </a:r>
               <a:br>
                 <a:rPr lang="hr-HR" sz="2000" dirty="0"/>
@@ -8245,6 +8353,10 @@
                 </a:rPr>
                 <a:t>4</a:t>
               </a:r>
+              <a:r>
+                <a:rPr lang="hr-HR" sz="2000" baseline="-25000" dirty="0"/>
+                <a:t/>
+              </a:r>
               <a:br>
                 <a:rPr lang="hr-HR" sz="2000" baseline="-25000" dirty="0"/>
               </a:br>
@@ -8395,6 +8507,10 @@
                   </a:solidFill>
                 </a:rPr>
                 <a:t>4</a:t>
+              </a:r>
+              <a:r>
+                <a:rPr lang="hr-HR" sz="2000" baseline="-25000" dirty="0"/>
+                <a:t/>
               </a:r>
               <a:br>
                 <a:rPr lang="hr-HR" sz="2000" baseline="-25000" dirty="0"/>
@@ -8729,7 +8845,7 @@
           <p:cNvPr id="2" name="Title 1">
             <a:extLst>
               <a:ext uri="{FF2B5EF4-FFF2-40B4-BE49-F238E27FC236}">
-                <a16:creationId xmlns:a16="http://schemas.microsoft.com/office/drawing/2014/main" id="{ABB478D4-82B1-4E4F-B4B7-8C13A096A79B}"/>
+                <a16:creationId xmlns:a16="http://schemas.microsoft.com/office/drawing/2014/main" xmlns="" id="{ABB478D4-82B1-4E4F-B4B7-8C13A096A79B}"/>
               </a:ext>
             </a:extLst>
           </p:cNvPr>
@@ -8831,7 +8947,7 @@
           <p:cNvPr id="3" name="Content Placeholder 2">
             <a:extLst>
               <a:ext uri="{FF2B5EF4-FFF2-40B4-BE49-F238E27FC236}">
-                <a16:creationId xmlns:a16="http://schemas.microsoft.com/office/drawing/2014/main" id="{92577346-78E3-4674-9BD1-361733E4225A}"/>
+                <a16:creationId xmlns:a16="http://schemas.microsoft.com/office/drawing/2014/main" xmlns="" id="{92577346-78E3-4674-9BD1-361733E4225A}"/>
               </a:ext>
             </a:extLst>
           </p:cNvPr>
@@ -9145,7 +9261,7 @@
           <p:cNvPr id="2" name="Title 1">
             <a:extLst>
               <a:ext uri="{FF2B5EF4-FFF2-40B4-BE49-F238E27FC236}">
-                <a16:creationId xmlns:a16="http://schemas.microsoft.com/office/drawing/2014/main" id="{17A7871E-02B8-471C-873A-138F466E090F}"/>
+                <a16:creationId xmlns:a16="http://schemas.microsoft.com/office/drawing/2014/main" xmlns="" id="{17A7871E-02B8-471C-873A-138F466E090F}"/>
               </a:ext>
             </a:extLst>
           </p:cNvPr>
@@ -9170,7 +9286,7 @@
           <p:cNvPr id="3" name="Content Placeholder 2">
             <a:extLst>
               <a:ext uri="{FF2B5EF4-FFF2-40B4-BE49-F238E27FC236}">
-                <a16:creationId xmlns:a16="http://schemas.microsoft.com/office/drawing/2014/main" id="{21CF122D-AB2F-4698-803C-D292EFCD5275}"/>
+                <a16:creationId xmlns:a16="http://schemas.microsoft.com/office/drawing/2014/main" xmlns="" id="{21CF122D-AB2F-4698-803C-D292EFCD5275}"/>
               </a:ext>
             </a:extLst>
           </p:cNvPr>
@@ -9285,7 +9401,7 @@
           <p:cNvPr id="2" name="Title 1">
             <a:extLst>
               <a:ext uri="{FF2B5EF4-FFF2-40B4-BE49-F238E27FC236}">
-                <a16:creationId xmlns:a16="http://schemas.microsoft.com/office/drawing/2014/main" id="{3A9EA66D-BA47-4A6D-9AF5-AEC8B7DEB58F}"/>
+                <a16:creationId xmlns:a16="http://schemas.microsoft.com/office/drawing/2014/main" xmlns="" id="{3A9EA66D-BA47-4A6D-9AF5-AEC8B7DEB58F}"/>
               </a:ext>
             </a:extLst>
           </p:cNvPr>
@@ -9331,7 +9447,7 @@
           <p:cNvPr id="3" name="Content Placeholder 2">
             <a:extLst>
               <a:ext uri="{FF2B5EF4-FFF2-40B4-BE49-F238E27FC236}">
-                <a16:creationId xmlns:a16="http://schemas.microsoft.com/office/drawing/2014/main" id="{083C9E45-9C71-40F7-ADE3-213B217EAEC3}"/>
+                <a16:creationId xmlns:a16="http://schemas.microsoft.com/office/drawing/2014/main" xmlns="" id="{083C9E45-9C71-40F7-ADE3-213B217EAEC3}"/>
               </a:ext>
             </a:extLst>
           </p:cNvPr>
@@ -9350,10 +9466,34 @@
           <a:lstStyle/>
           <a:p>
             <a:r>
-              <a:rPr lang="en-US">
+              <a:rPr lang="en-US" dirty="0" err="1">
                 <a:cs typeface="Calibri"/>
               </a:rPr>
-              <a:t>Zasnovan na kvorumima</a:t>
+              <a:t>Zasnovan</a:t>
+            </a:r>
+            <a:r>
+              <a:rPr lang="en-US" dirty="0">
+                <a:cs typeface="Calibri"/>
+              </a:rPr>
+              <a:t> </a:t>
+            </a:r>
+            <a:r>
+              <a:rPr lang="en-US" dirty="0" err="1">
+                <a:cs typeface="Calibri"/>
+              </a:rPr>
+              <a:t>na</a:t>
+            </a:r>
+            <a:r>
+              <a:rPr lang="en-US" dirty="0">
+                <a:cs typeface="Calibri"/>
+              </a:rPr>
+              <a:t> </a:t>
+            </a:r>
+            <a:r>
+              <a:rPr lang="en-US" dirty="0" err="1">
+                <a:cs typeface="Calibri"/>
+              </a:rPr>
+              <a:t>kvorumima</a:t>
             </a:r>
             <a:endParaRPr lang="en-US" dirty="0">
               <a:cs typeface="Calibri"/>
@@ -9361,23 +9501,129 @@
           </a:p>
           <a:p>
             <a:r>
-              <a:rPr lang="en-US">
+              <a:rPr lang="en-US" dirty="0">
                 <a:cs typeface="Calibri"/>
               </a:rPr>
-              <a:t>Mora zadovoljavati sljedeće uvjete:</a:t>
-            </a:r>
-            <a:endParaRPr lang="en-US"/>
+              <a:t>Mora </a:t>
+            </a:r>
+            <a:r>
+              <a:rPr lang="en-US" dirty="0" err="1">
+                <a:cs typeface="Calibri"/>
+              </a:rPr>
+              <a:t>zadovoljavati</a:t>
+            </a:r>
+            <a:r>
+              <a:rPr lang="en-US" dirty="0">
+                <a:cs typeface="Calibri"/>
+              </a:rPr>
+              <a:t> </a:t>
+            </a:r>
+            <a:r>
+              <a:rPr lang="en-US" dirty="0" err="1">
+                <a:cs typeface="Calibri"/>
+              </a:rPr>
+              <a:t>sljedeće</a:t>
+            </a:r>
+            <a:r>
+              <a:rPr lang="en-US" dirty="0">
+                <a:cs typeface="Calibri"/>
+              </a:rPr>
+              <a:t> </a:t>
+            </a:r>
+            <a:r>
+              <a:rPr lang="en-US" dirty="0" err="1">
+                <a:cs typeface="Calibri"/>
+              </a:rPr>
+              <a:t>uvjete</a:t>
+            </a:r>
+            <a:r>
+              <a:rPr lang="en-US" dirty="0">
+                <a:cs typeface="Calibri"/>
+              </a:rPr>
+              <a:t>:</a:t>
+            </a:r>
+            <a:endParaRPr lang="en-US" dirty="0"/>
           </a:p>
           <a:p>
             <a:pPr lvl="1" indent="-457200">
               <a:buAutoNum type="arabicPeriod"/>
             </a:pPr>
             <a:r>
-              <a:rPr lang="en-US">
+              <a:rPr lang="en-US" dirty="0">
                 <a:ea typeface="+mn-lt"/>
                 <a:cs typeface="+mn-lt"/>
               </a:rPr>
-              <a:t>(∀i ∀j: i ≠ j, 1 ≤ i j ≤ N :: Ri ∩ Rj ≠ ∅)</a:t>
+              <a:t>(∀</a:t>
+            </a:r>
+            <a:r>
+              <a:rPr lang="en-US" dirty="0" err="1">
+                <a:ea typeface="+mn-lt"/>
+                <a:cs typeface="+mn-lt"/>
+              </a:rPr>
+              <a:t>i</a:t>
+            </a:r>
+            <a:r>
+              <a:rPr lang="en-US" dirty="0">
+                <a:ea typeface="+mn-lt"/>
+                <a:cs typeface="+mn-lt"/>
+              </a:rPr>
+              <a:t> ∀j: </a:t>
+            </a:r>
+            <a:r>
+              <a:rPr lang="en-US" dirty="0" err="1">
+                <a:ea typeface="+mn-lt"/>
+                <a:cs typeface="+mn-lt"/>
+              </a:rPr>
+              <a:t>i</a:t>
+            </a:r>
+            <a:r>
+              <a:rPr lang="en-US" dirty="0">
+                <a:ea typeface="+mn-lt"/>
+                <a:cs typeface="+mn-lt"/>
+              </a:rPr>
+              <a:t> ≠ j, 1 ≤ </a:t>
+            </a:r>
+            <a:r>
+              <a:rPr lang="en-US" dirty="0" err="1">
+                <a:ea typeface="+mn-lt"/>
+                <a:cs typeface="+mn-lt"/>
+              </a:rPr>
+              <a:t>i</a:t>
+            </a:r>
+            <a:r>
+              <a:rPr lang="en-US" dirty="0">
+                <a:ea typeface="+mn-lt"/>
+                <a:cs typeface="+mn-lt"/>
+              </a:rPr>
+              <a:t> j ≤ N :: </a:t>
+            </a:r>
+            <a:r>
+              <a:rPr lang="en-US" dirty="0" err="1">
+                <a:ea typeface="+mn-lt"/>
+                <a:cs typeface="+mn-lt"/>
+              </a:rPr>
+              <a:t>Ri</a:t>
+            </a:r>
+            <a:r>
+              <a:rPr lang="en-US" dirty="0">
+                <a:ea typeface="+mn-lt"/>
+                <a:cs typeface="+mn-lt"/>
+              </a:rPr>
+              <a:t> ∩ </a:t>
+            </a:r>
+            <a:r>
+              <a:rPr lang="en-US" dirty="0" err="1">
+                <a:ea typeface="+mn-lt"/>
+                <a:cs typeface="+mn-lt"/>
+              </a:rPr>
+              <a:t>Rj</a:t>
+            </a:r>
+            <a:r>
+              <a:rPr lang="en-US" dirty="0">
+                <a:ea typeface="+mn-lt"/>
+                <a:cs typeface="+mn-lt"/>
+              </a:rPr>
+              <a:t> ≠ ∅)</a:t>
             </a:r>
           </a:p>
           <a:p>
@@ -9385,11 +9631,53 @@
               <a:buAutoNum type="arabicPeriod"/>
             </a:pPr>
             <a:r>
-              <a:rPr lang="en-US">
+              <a:rPr lang="en-US" dirty="0">
                 <a:ea typeface="+mn-lt"/>
                 <a:cs typeface="+mn-lt"/>
               </a:rPr>
-              <a:t>(∀i: 1 ≤ i ≤ N :: Si ∈ Ri)</a:t>
+              <a:t>(∀</a:t>
+            </a:r>
+            <a:r>
+              <a:rPr lang="en-US" dirty="0" err="1">
+                <a:ea typeface="+mn-lt"/>
+                <a:cs typeface="+mn-lt"/>
+              </a:rPr>
+              <a:t>i</a:t>
+            </a:r>
+            <a:r>
+              <a:rPr lang="en-US" dirty="0">
+                <a:ea typeface="+mn-lt"/>
+                <a:cs typeface="+mn-lt"/>
+              </a:rPr>
+              <a:t>: 1 ≤ </a:t>
+            </a:r>
+            <a:r>
+              <a:rPr lang="en-US" dirty="0" err="1">
+                <a:ea typeface="+mn-lt"/>
+                <a:cs typeface="+mn-lt"/>
+              </a:rPr>
+              <a:t>i</a:t>
+            </a:r>
+            <a:r>
+              <a:rPr lang="en-US" dirty="0">
+                <a:ea typeface="+mn-lt"/>
+                <a:cs typeface="+mn-lt"/>
+              </a:rPr>
+              <a:t> ≤ N :: Si ∈ </a:t>
+            </a:r>
+            <a:r>
+              <a:rPr lang="en-US" dirty="0" err="1">
+                <a:ea typeface="+mn-lt"/>
+                <a:cs typeface="+mn-lt"/>
+              </a:rPr>
+              <a:t>Ri</a:t>
+            </a:r>
+            <a:r>
+              <a:rPr lang="en-US" dirty="0">
+                <a:ea typeface="+mn-lt"/>
+                <a:cs typeface="+mn-lt"/>
+              </a:rPr>
+              <a:t>)</a:t>
             </a:r>
           </a:p>
           <a:p>
@@ -9397,11 +9685,74 @@
               <a:buAutoNum type="arabicPeriod"/>
             </a:pPr>
             <a:r>
-              <a:rPr lang="en-US">
+              <a:rPr lang="en-US" dirty="0">
                 <a:ea typeface="+mn-lt"/>
                 <a:cs typeface="+mn-lt"/>
               </a:rPr>
-              <a:t>(∀i: 1 ≤ i ≤ N :: Ri = K)</a:t>
+              <a:t>(∀</a:t>
+            </a:r>
+            <a:r>
+              <a:rPr lang="en-US" dirty="0" err="1">
+                <a:ea typeface="+mn-lt"/>
+                <a:cs typeface="+mn-lt"/>
+              </a:rPr>
+              <a:t>i</a:t>
+            </a:r>
+            <a:r>
+              <a:rPr lang="en-US" dirty="0">
+                <a:ea typeface="+mn-lt"/>
+                <a:cs typeface="+mn-lt"/>
+              </a:rPr>
+              <a:t>: 1 ≤ </a:t>
+            </a:r>
+            <a:r>
+              <a:rPr lang="en-US" dirty="0" err="1">
+                <a:ea typeface="+mn-lt"/>
+                <a:cs typeface="+mn-lt"/>
+              </a:rPr>
+              <a:t>i</a:t>
+            </a:r>
+            <a:r>
+              <a:rPr lang="en-US" dirty="0">
+                <a:ea typeface="+mn-lt"/>
+                <a:cs typeface="+mn-lt"/>
+              </a:rPr>
+              <a:t> ≤ N :: </a:t>
+            </a:r>
+            <a:r>
+              <a:rPr lang="hr-HR" dirty="0" smtClean="0">
+                <a:ea typeface="+mn-lt"/>
+                <a:cs typeface="+mn-lt"/>
+              </a:rPr>
+              <a:t>|</a:t>
+            </a:r>
+            <a:r>
+              <a:rPr lang="en-US" dirty="0" err="1" smtClean="0">
+                <a:ea typeface="+mn-lt"/>
+                <a:cs typeface="+mn-lt"/>
+              </a:rPr>
+              <a:t>Ri</a:t>
+            </a:r>
+            <a:r>
+              <a:rPr lang="hr-HR" dirty="0" smtClean="0">
+                <a:ea typeface="+mn-lt"/>
+                <a:cs typeface="+mn-lt"/>
+              </a:rPr>
+              <a:t>|</a:t>
+            </a:r>
+            <a:r>
+              <a:rPr lang="en-US" dirty="0" smtClean="0">
+                <a:ea typeface="+mn-lt"/>
+                <a:cs typeface="+mn-lt"/>
+              </a:rPr>
+              <a:t> </a:t>
+            </a:r>
+            <a:r>
+              <a:rPr lang="en-US" dirty="0">
+                <a:ea typeface="+mn-lt"/>
+                <a:cs typeface="+mn-lt"/>
+              </a:rPr>
+              <a:t>= K)</a:t>
             </a:r>
           </a:p>
           <a:p>
@@ -9409,11 +9760,116 @@
               <a:buAutoNum type="arabicPeriod"/>
             </a:pPr>
             <a:r>
-              <a:rPr lang="en-US">
+              <a:rPr lang="en-US" dirty="0" err="1">
                 <a:ea typeface="+mn-lt"/>
                 <a:cs typeface="+mn-lt"/>
               </a:rPr>
-              <a:t>Bilo koje mjesto Sj sadržano je u K broju Ri-ova, 1 ≤ i j ≤ N</a:t>
+              <a:t>Bilo</a:t>
+            </a:r>
+            <a:r>
+              <a:rPr lang="en-US" dirty="0">
+                <a:ea typeface="+mn-lt"/>
+                <a:cs typeface="+mn-lt"/>
+              </a:rPr>
+              <a:t> </a:t>
+            </a:r>
+            <a:r>
+              <a:rPr lang="en-US" dirty="0" err="1">
+                <a:ea typeface="+mn-lt"/>
+                <a:cs typeface="+mn-lt"/>
+              </a:rPr>
+              <a:t>koje</a:t>
+            </a:r>
+            <a:r>
+              <a:rPr lang="en-US" dirty="0">
+                <a:ea typeface="+mn-lt"/>
+                <a:cs typeface="+mn-lt"/>
+              </a:rPr>
+              <a:t> </a:t>
+            </a:r>
+            <a:r>
+              <a:rPr lang="en-US" dirty="0" err="1">
+                <a:ea typeface="+mn-lt"/>
+                <a:cs typeface="+mn-lt"/>
+              </a:rPr>
+              <a:t>mjesto</a:t>
+            </a:r>
+            <a:r>
+              <a:rPr lang="en-US" dirty="0">
+                <a:ea typeface="+mn-lt"/>
+                <a:cs typeface="+mn-lt"/>
+              </a:rPr>
+              <a:t> </a:t>
+            </a:r>
+            <a:r>
+              <a:rPr lang="en-US" dirty="0" err="1">
+                <a:ea typeface="+mn-lt"/>
+                <a:cs typeface="+mn-lt"/>
+              </a:rPr>
+              <a:t>Sj</a:t>
+            </a:r>
+            <a:r>
+              <a:rPr lang="en-US" dirty="0">
+                <a:ea typeface="+mn-lt"/>
+                <a:cs typeface="+mn-lt"/>
+              </a:rPr>
+              <a:t> </a:t>
+            </a:r>
+            <a:r>
+              <a:rPr lang="en-US" dirty="0" err="1">
+                <a:ea typeface="+mn-lt"/>
+                <a:cs typeface="+mn-lt"/>
+              </a:rPr>
+              <a:t>sadržano</a:t>
+            </a:r>
+            <a:r>
+              <a:rPr lang="en-US" dirty="0">
+                <a:ea typeface="+mn-lt"/>
+                <a:cs typeface="+mn-lt"/>
+              </a:rPr>
+              <a:t> je u K </a:t>
+            </a:r>
+            <a:r>
+              <a:rPr lang="en-US" dirty="0" err="1">
+                <a:ea typeface="+mn-lt"/>
+                <a:cs typeface="+mn-lt"/>
+              </a:rPr>
+              <a:t>broju</a:t>
+            </a:r>
+            <a:r>
+              <a:rPr lang="en-US" dirty="0">
+                <a:ea typeface="+mn-lt"/>
+                <a:cs typeface="+mn-lt"/>
+              </a:rPr>
+              <a:t> </a:t>
+            </a:r>
+            <a:r>
+              <a:rPr lang="en-US" dirty="0" err="1">
+                <a:ea typeface="+mn-lt"/>
+                <a:cs typeface="+mn-lt"/>
+              </a:rPr>
+              <a:t>Ri</a:t>
+            </a:r>
+            <a:r>
+              <a:rPr lang="en-US" dirty="0">
+                <a:ea typeface="+mn-lt"/>
+                <a:cs typeface="+mn-lt"/>
+              </a:rPr>
+              <a:t>-ova, 1 ≤ </a:t>
+            </a:r>
+            <a:r>
+              <a:rPr lang="en-US" dirty="0" err="1">
+                <a:ea typeface="+mn-lt"/>
+                <a:cs typeface="+mn-lt"/>
+              </a:rPr>
+              <a:t>i</a:t>
+            </a:r>
+            <a:r>
+              <a:rPr lang="en-US" dirty="0">
+                <a:ea typeface="+mn-lt"/>
+                <a:cs typeface="+mn-lt"/>
+              </a:rPr>
+              <a:t> j ≤ N</a:t>
             </a:r>
           </a:p>
           <a:p>
@@ -9462,7 +9918,7 @@
           <p:cNvPr id="2" name="Title 1">
             <a:extLst>
               <a:ext uri="{FF2B5EF4-FFF2-40B4-BE49-F238E27FC236}">
-                <a16:creationId xmlns:a16="http://schemas.microsoft.com/office/drawing/2014/main" id="{A3B7EB3F-33E9-46EA-8DEA-A9C2F74A31F8}"/>
+                <a16:creationId xmlns:a16="http://schemas.microsoft.com/office/drawing/2014/main" xmlns="" id="{A3B7EB3F-33E9-46EA-8DEA-A9C2F74A31F8}"/>
               </a:ext>
             </a:extLst>
           </p:cNvPr>
@@ -9493,7 +9949,7 @@
           <p:cNvPr id="3" name="Content Placeholder 2">
             <a:extLst>
               <a:ext uri="{FF2B5EF4-FFF2-40B4-BE49-F238E27FC236}">
-                <a16:creationId xmlns:a16="http://schemas.microsoft.com/office/drawing/2014/main" id="{77A83A9F-406B-48B2-8B9A-A37DBAD27C75}"/>
+                <a16:creationId xmlns:a16="http://schemas.microsoft.com/office/drawing/2014/main" xmlns="" id="{77A83A9F-406B-48B2-8B9A-A37DBAD27C75}"/>
               </a:ext>
             </a:extLst>
           </p:cNvPr>
@@ -9512,73 +9968,676 @@
           <a:lstStyle/>
           <a:p>
             <a:r>
-              <a:rPr lang="en-US">
+              <a:rPr lang="en-US" dirty="0" err="1">
                 <a:ea typeface="+mn-lt"/>
                 <a:cs typeface="+mn-lt"/>
               </a:rPr>
-              <a:t>Traženje kritičnog odjeljka:</a:t>
-            </a:r>
-            <a:endParaRPr lang="en-US"/>
-          </a:p>
-          <a:p>
-            <a:pPr lvl="1" indent="-457200"/>
-            <a:r>
-              <a:rPr lang="en-US">
+              <a:t>Traženje</a:t>
+            </a:r>
+            <a:r>
+              <a:rPr lang="en-US" dirty="0">
                 <a:ea typeface="+mn-lt"/>
                 <a:cs typeface="+mn-lt"/>
               </a:rPr>
-              <a:t>Proces </a:t>
-            </a:r>
-            <a:r>
-              <a:rPr lang="hr-HR">
+              <a:t> </a:t>
+            </a:r>
+            <a:r>
+              <a:rPr lang="en-US" dirty="0" err="1">
                 <a:ea typeface="+mn-lt"/>
                 <a:cs typeface="+mn-lt"/>
               </a:rPr>
-              <a:t>Si </a:t>
-            </a:r>
-            <a:r>
-              <a:rPr lang="en-US">
+              <a:t>kritičnog</a:t>
+            </a:r>
+            <a:r>
+              <a:rPr lang="en-US" dirty="0">
                 <a:ea typeface="+mn-lt"/>
                 <a:cs typeface="+mn-lt"/>
               </a:rPr>
-              <a:t>traži pristup KO -u slanjem poruka REQUEST(i) svim procesima u svom skupu zahtjevu Ri.</a:t>
-            </a:r>
-            <a:endParaRPr lang="en-US">
+              <a:t> </a:t>
+            </a:r>
+            <a:r>
+              <a:rPr lang="en-US" dirty="0" err="1">
+                <a:ea typeface="+mn-lt"/>
+                <a:cs typeface="+mn-lt"/>
+              </a:rPr>
+              <a:t>odjeljka</a:t>
+            </a:r>
+            <a:r>
+              <a:rPr lang="en-US" dirty="0">
+                <a:ea typeface="+mn-lt"/>
+                <a:cs typeface="+mn-lt"/>
+              </a:rPr>
+              <a:t>:</a:t>
+            </a:r>
+            <a:endParaRPr lang="en-US" dirty="0"/>
+          </a:p>
+          <a:p>
+            <a:pPr lvl="1" indent="-457200"/>
+            <a:r>
+              <a:rPr lang="en-US" dirty="0" err="1">
+                <a:ea typeface="+mn-lt"/>
+                <a:cs typeface="+mn-lt"/>
+              </a:rPr>
+              <a:t>Proces</a:t>
+            </a:r>
+            <a:r>
+              <a:rPr lang="en-US" dirty="0">
+                <a:ea typeface="+mn-lt"/>
+                <a:cs typeface="+mn-lt"/>
+              </a:rPr>
+              <a:t> </a:t>
+            </a:r>
+            <a:r>
+              <a:rPr lang="hr-HR" dirty="0">
+                <a:ea typeface="+mn-lt"/>
+                <a:cs typeface="+mn-lt"/>
+              </a:rPr>
+              <a:t>Si </a:t>
+            </a:r>
+            <a:r>
+              <a:rPr lang="en-US" dirty="0" err="1">
+                <a:ea typeface="+mn-lt"/>
+                <a:cs typeface="+mn-lt"/>
+              </a:rPr>
+              <a:t>traži</a:t>
+            </a:r>
+            <a:r>
+              <a:rPr lang="en-US" dirty="0">
+                <a:ea typeface="+mn-lt"/>
+                <a:cs typeface="+mn-lt"/>
+              </a:rPr>
+              <a:t> </a:t>
+            </a:r>
+            <a:r>
+              <a:rPr lang="en-US" dirty="0" err="1">
+                <a:ea typeface="+mn-lt"/>
+                <a:cs typeface="+mn-lt"/>
+              </a:rPr>
+              <a:t>pristup</a:t>
+            </a:r>
+            <a:r>
+              <a:rPr lang="en-US" dirty="0">
+                <a:ea typeface="+mn-lt"/>
+                <a:cs typeface="+mn-lt"/>
+              </a:rPr>
+              <a:t> KO -u </a:t>
+            </a:r>
+            <a:r>
+              <a:rPr lang="en-US" dirty="0" err="1">
+                <a:ea typeface="+mn-lt"/>
+                <a:cs typeface="+mn-lt"/>
+              </a:rPr>
+              <a:t>slanjem</a:t>
+            </a:r>
+            <a:r>
+              <a:rPr lang="en-US" dirty="0">
+                <a:ea typeface="+mn-lt"/>
+                <a:cs typeface="+mn-lt"/>
+              </a:rPr>
+              <a:t> </a:t>
+            </a:r>
+            <a:r>
+              <a:rPr lang="en-US" dirty="0" err="1">
+                <a:ea typeface="+mn-lt"/>
+                <a:cs typeface="+mn-lt"/>
+              </a:rPr>
+              <a:t>poruka</a:t>
+            </a:r>
+            <a:r>
+              <a:rPr lang="en-US" dirty="0">
+                <a:ea typeface="+mn-lt"/>
+                <a:cs typeface="+mn-lt"/>
+              </a:rPr>
+              <a:t> REQUEST(</a:t>
+            </a:r>
+            <a:r>
+              <a:rPr lang="en-US" dirty="0" err="1">
+                <a:ea typeface="+mn-lt"/>
+                <a:cs typeface="+mn-lt"/>
+              </a:rPr>
+              <a:t>i</a:t>
+            </a:r>
+            <a:r>
+              <a:rPr lang="en-US" dirty="0">
+                <a:ea typeface="+mn-lt"/>
+                <a:cs typeface="+mn-lt"/>
+              </a:rPr>
+              <a:t>) </a:t>
+            </a:r>
+            <a:r>
+              <a:rPr lang="en-US" dirty="0" err="1">
+                <a:ea typeface="+mn-lt"/>
+                <a:cs typeface="+mn-lt"/>
+              </a:rPr>
+              <a:t>svim</a:t>
+            </a:r>
+            <a:r>
+              <a:rPr lang="en-US" dirty="0">
+                <a:ea typeface="+mn-lt"/>
+                <a:cs typeface="+mn-lt"/>
+              </a:rPr>
+              <a:t> </a:t>
+            </a:r>
+            <a:r>
+              <a:rPr lang="en-US" dirty="0" err="1">
+                <a:ea typeface="+mn-lt"/>
+                <a:cs typeface="+mn-lt"/>
+              </a:rPr>
+              <a:t>procesima</a:t>
+            </a:r>
+            <a:r>
+              <a:rPr lang="en-US" dirty="0">
+                <a:ea typeface="+mn-lt"/>
+                <a:cs typeface="+mn-lt"/>
+              </a:rPr>
+              <a:t> u </a:t>
+            </a:r>
+            <a:r>
+              <a:rPr lang="en-US" dirty="0" err="1">
+                <a:ea typeface="+mn-lt"/>
+                <a:cs typeface="+mn-lt"/>
+              </a:rPr>
+              <a:t>svom</a:t>
+            </a:r>
+            <a:r>
+              <a:rPr lang="en-US" dirty="0">
+                <a:ea typeface="+mn-lt"/>
+                <a:cs typeface="+mn-lt"/>
+              </a:rPr>
+              <a:t> </a:t>
+            </a:r>
+            <a:r>
+              <a:rPr lang="en-US" dirty="0" err="1">
+                <a:ea typeface="+mn-lt"/>
+                <a:cs typeface="+mn-lt"/>
+              </a:rPr>
+              <a:t>skupu</a:t>
+            </a:r>
+            <a:r>
+              <a:rPr lang="en-US" dirty="0">
+                <a:ea typeface="+mn-lt"/>
+                <a:cs typeface="+mn-lt"/>
+              </a:rPr>
+              <a:t> </a:t>
+            </a:r>
+            <a:r>
+              <a:rPr lang="en-US" dirty="0" err="1">
+                <a:ea typeface="+mn-lt"/>
+                <a:cs typeface="+mn-lt"/>
+              </a:rPr>
+              <a:t>zahtjevu</a:t>
+            </a:r>
+            <a:r>
+              <a:rPr lang="en-US" dirty="0">
+                <a:ea typeface="+mn-lt"/>
+                <a:cs typeface="+mn-lt"/>
+              </a:rPr>
+              <a:t> </a:t>
+            </a:r>
+            <a:r>
+              <a:rPr lang="en-US" dirty="0" err="1">
+                <a:ea typeface="+mn-lt"/>
+                <a:cs typeface="+mn-lt"/>
+              </a:rPr>
+              <a:t>Ri</a:t>
+            </a:r>
+            <a:r>
+              <a:rPr lang="en-US" dirty="0">
+                <a:ea typeface="+mn-lt"/>
+                <a:cs typeface="+mn-lt"/>
+              </a:rPr>
+              <a:t>.</a:t>
+            </a:r>
+            <a:endParaRPr lang="en-US" dirty="0">
               <a:cs typeface="Calibri"/>
             </a:endParaRPr>
           </a:p>
           <a:p>
             <a:pPr lvl="1" indent="-457200"/>
             <a:r>
-              <a:rPr lang="en-US">
+              <a:rPr lang="en-US" dirty="0" err="1">
                 <a:cs typeface="Calibri"/>
               </a:rPr>
-              <a:t>Kad proces Sj primi poruku zahtjeva REQUEST (i) sa stranice Si,vraća poruku REPLY procesu Si ako nije poslalo poruku REPLYprocesu od trenutka kada je primilo posljednju poruku RELEASE.</a:t>
-            </a:r>
-            <a:endParaRPr lang="en-US">
+              <a:t>Kad</a:t>
+            </a:r>
+            <a:r>
+              <a:rPr lang="en-US" dirty="0">
+                <a:cs typeface="Calibri"/>
+              </a:rPr>
+              <a:t> </a:t>
+            </a:r>
+            <a:r>
+              <a:rPr lang="en-US" dirty="0" err="1">
+                <a:cs typeface="Calibri"/>
+              </a:rPr>
+              <a:t>proces</a:t>
+            </a:r>
+            <a:r>
+              <a:rPr lang="en-US" dirty="0">
+                <a:cs typeface="Calibri"/>
+              </a:rPr>
+              <a:t> </a:t>
+            </a:r>
+            <a:r>
+              <a:rPr lang="en-US" dirty="0" err="1">
+                <a:cs typeface="Calibri"/>
+              </a:rPr>
+              <a:t>Sj</a:t>
+            </a:r>
+            <a:r>
+              <a:rPr lang="en-US" dirty="0">
+                <a:cs typeface="Calibri"/>
+              </a:rPr>
+              <a:t> </a:t>
+            </a:r>
+            <a:r>
+              <a:rPr lang="en-US" dirty="0" err="1">
+                <a:cs typeface="Calibri"/>
+              </a:rPr>
+              <a:t>primi</a:t>
+            </a:r>
+            <a:r>
+              <a:rPr lang="en-US" dirty="0">
+                <a:cs typeface="Calibri"/>
+              </a:rPr>
+              <a:t> </a:t>
+            </a:r>
+            <a:r>
+              <a:rPr lang="en-US" dirty="0" err="1">
+                <a:cs typeface="Calibri"/>
+              </a:rPr>
+              <a:t>poruku</a:t>
+            </a:r>
+            <a:r>
+              <a:rPr lang="en-US" dirty="0">
+                <a:cs typeface="Calibri"/>
+              </a:rPr>
+              <a:t> </a:t>
+            </a:r>
+            <a:r>
+              <a:rPr lang="en-US" dirty="0" err="1">
+                <a:cs typeface="Calibri"/>
+              </a:rPr>
+              <a:t>zahtjeva</a:t>
+            </a:r>
+            <a:r>
+              <a:rPr lang="en-US" dirty="0">
+                <a:cs typeface="Calibri"/>
+              </a:rPr>
+              <a:t> REQUEST (</a:t>
+            </a:r>
+            <a:r>
+              <a:rPr lang="en-US" dirty="0" err="1">
+                <a:cs typeface="Calibri"/>
+              </a:rPr>
+              <a:t>i</a:t>
+            </a:r>
+            <a:r>
+              <a:rPr lang="en-US" dirty="0">
+                <a:cs typeface="Calibri"/>
+              </a:rPr>
+              <a:t>) </a:t>
+            </a:r>
+            <a:r>
+              <a:rPr lang="hr-HR" smtClean="0">
+                <a:cs typeface="Calibri"/>
+              </a:rPr>
+              <a:t>od procesa</a:t>
+            </a:r>
+            <a:r>
+              <a:rPr lang="en-US" dirty="0">
+                <a:cs typeface="Calibri"/>
+              </a:rPr>
+              <a:t> </a:t>
+            </a:r>
+            <a:r>
+              <a:rPr lang="en-US" dirty="0" err="1">
+                <a:cs typeface="Calibri"/>
+              </a:rPr>
+              <a:t>Si,vraća</a:t>
+            </a:r>
+            <a:r>
+              <a:rPr lang="en-US" dirty="0">
+                <a:cs typeface="Calibri"/>
+              </a:rPr>
+              <a:t> </a:t>
+            </a:r>
+            <a:r>
+              <a:rPr lang="en-US" dirty="0" err="1">
+                <a:cs typeface="Calibri"/>
+              </a:rPr>
+              <a:t>poruku</a:t>
+            </a:r>
+            <a:r>
+              <a:rPr lang="en-US" dirty="0">
+                <a:cs typeface="Calibri"/>
+              </a:rPr>
+              <a:t> REPLY </a:t>
+            </a:r>
+            <a:r>
+              <a:rPr lang="en-US" dirty="0" err="1">
+                <a:cs typeface="Calibri"/>
+              </a:rPr>
+              <a:t>procesu</a:t>
+            </a:r>
+            <a:r>
+              <a:rPr lang="en-US" dirty="0">
+                <a:cs typeface="Calibri"/>
+              </a:rPr>
+              <a:t> Si </a:t>
+            </a:r>
+            <a:r>
+              <a:rPr lang="en-US" dirty="0" err="1">
+                <a:cs typeface="Calibri"/>
+              </a:rPr>
+              <a:t>ako</a:t>
+            </a:r>
+            <a:r>
+              <a:rPr lang="en-US" dirty="0">
+                <a:cs typeface="Calibri"/>
+              </a:rPr>
+              <a:t> </a:t>
+            </a:r>
+            <a:r>
+              <a:rPr lang="en-US" dirty="0" err="1">
+                <a:cs typeface="Calibri"/>
+              </a:rPr>
+              <a:t>nije</a:t>
+            </a:r>
+            <a:r>
+              <a:rPr lang="en-US" dirty="0">
+                <a:cs typeface="Calibri"/>
+              </a:rPr>
+              <a:t> </a:t>
+            </a:r>
+            <a:r>
+              <a:rPr lang="en-US" dirty="0" err="1">
+                <a:cs typeface="Calibri"/>
+              </a:rPr>
+              <a:t>poslalo</a:t>
+            </a:r>
+            <a:r>
+              <a:rPr lang="en-US" dirty="0">
+                <a:cs typeface="Calibri"/>
+              </a:rPr>
+              <a:t> </a:t>
+            </a:r>
+            <a:r>
+              <a:rPr lang="en-US" dirty="0" err="1">
+                <a:cs typeface="Calibri"/>
+              </a:rPr>
+              <a:t>poruku</a:t>
+            </a:r>
+            <a:r>
+              <a:rPr lang="en-US" dirty="0">
+                <a:cs typeface="Calibri"/>
+              </a:rPr>
+              <a:t> </a:t>
+            </a:r>
+            <a:r>
+              <a:rPr lang="en-US" dirty="0" err="1">
+                <a:cs typeface="Calibri"/>
+              </a:rPr>
+              <a:t>REPLYprocesu</a:t>
+            </a:r>
+            <a:r>
+              <a:rPr lang="en-US" dirty="0">
+                <a:cs typeface="Calibri"/>
+              </a:rPr>
+              <a:t> od </a:t>
+            </a:r>
+            <a:r>
+              <a:rPr lang="en-US" dirty="0" err="1">
+                <a:cs typeface="Calibri"/>
+              </a:rPr>
+              <a:t>trenutka</a:t>
+            </a:r>
+            <a:r>
+              <a:rPr lang="en-US" dirty="0">
+                <a:cs typeface="Calibri"/>
+              </a:rPr>
+              <a:t> </a:t>
+            </a:r>
+            <a:r>
+              <a:rPr lang="en-US" dirty="0" err="1">
+                <a:cs typeface="Calibri"/>
+              </a:rPr>
+              <a:t>kada</a:t>
+            </a:r>
+            <a:r>
+              <a:rPr lang="en-US" dirty="0">
+                <a:cs typeface="Calibri"/>
+              </a:rPr>
+              <a:t> je </a:t>
+            </a:r>
+            <a:r>
+              <a:rPr lang="en-US" dirty="0" err="1">
+                <a:cs typeface="Calibri"/>
+              </a:rPr>
+              <a:t>primilo</a:t>
+            </a:r>
+            <a:r>
+              <a:rPr lang="en-US" dirty="0">
+                <a:cs typeface="Calibri"/>
+              </a:rPr>
+              <a:t> </a:t>
+            </a:r>
+            <a:r>
+              <a:rPr lang="en-US" dirty="0" err="1">
+                <a:cs typeface="Calibri"/>
+              </a:rPr>
+              <a:t>posljednju</a:t>
+            </a:r>
+            <a:r>
+              <a:rPr lang="en-US" dirty="0">
+                <a:cs typeface="Calibri"/>
+              </a:rPr>
+              <a:t> </a:t>
+            </a:r>
+            <a:r>
+              <a:rPr lang="en-US" dirty="0" err="1">
+                <a:cs typeface="Calibri"/>
+              </a:rPr>
+              <a:t>poruku</a:t>
+            </a:r>
+            <a:r>
+              <a:rPr lang="en-US" dirty="0">
+                <a:cs typeface="Calibri"/>
+              </a:rPr>
+              <a:t> RELEASE.</a:t>
+            </a:r>
+            <a:endParaRPr lang="en-US" dirty="0">
               <a:ea typeface="+mn-lt"/>
               <a:cs typeface="+mn-lt"/>
             </a:endParaRPr>
           </a:p>
           <a:p>
             <a:r>
-              <a:rPr lang="en-US">
+              <a:rPr lang="en-US" dirty="0" err="1">
                 <a:ea typeface="+mn-lt"/>
                 <a:cs typeface="+mn-lt"/>
               </a:rPr>
-              <a:t>Izvršavanje kritičnog odjeljka:</a:t>
-            </a:r>
-          </a:p>
-          <a:p>
-            <a:pPr lvl="1" indent="-457200"/>
-            <a:r>
-              <a:rPr lang="en-US">
+              <a:t>Izvršavanje</a:t>
+            </a:r>
+            <a:r>
+              <a:rPr lang="en-US" dirty="0">
                 <a:ea typeface="+mn-lt"/>
                 <a:cs typeface="+mn-lt"/>
               </a:rPr>
-              <a:t>Proces Si izvodi KO tek nakon što je primio poruku REPLY od svakog procesa u Ri.</a:t>
-            </a:r>
-            <a:endParaRPr lang="en-US">
+              <a:t> </a:t>
+            </a:r>
+            <a:r>
+              <a:rPr lang="en-US" dirty="0" err="1">
+                <a:ea typeface="+mn-lt"/>
+                <a:cs typeface="+mn-lt"/>
+              </a:rPr>
+              <a:t>kritičnog</a:t>
+            </a:r>
+            <a:r>
+              <a:rPr lang="en-US" dirty="0">
+                <a:ea typeface="+mn-lt"/>
+                <a:cs typeface="+mn-lt"/>
+              </a:rPr>
+              <a:t> </a:t>
+            </a:r>
+            <a:r>
+              <a:rPr lang="en-US" dirty="0" err="1">
+                <a:ea typeface="+mn-lt"/>
+                <a:cs typeface="+mn-lt"/>
+              </a:rPr>
+              <a:t>odjeljka</a:t>
+            </a:r>
+            <a:r>
+              <a:rPr lang="en-US" dirty="0">
+                <a:ea typeface="+mn-lt"/>
+                <a:cs typeface="+mn-lt"/>
+              </a:rPr>
+              <a:t>:</a:t>
+            </a:r>
+          </a:p>
+          <a:p>
+            <a:pPr lvl="1" indent="-457200"/>
+            <a:r>
+              <a:rPr lang="en-US" dirty="0" err="1">
+                <a:ea typeface="+mn-lt"/>
+                <a:cs typeface="+mn-lt"/>
+              </a:rPr>
+              <a:t>Proces</a:t>
+            </a:r>
+            <a:r>
+              <a:rPr lang="en-US" dirty="0">
+                <a:ea typeface="+mn-lt"/>
+                <a:cs typeface="+mn-lt"/>
+              </a:rPr>
+              <a:t> Si </a:t>
+            </a:r>
+            <a:r>
+              <a:rPr lang="en-US" dirty="0" err="1">
+                <a:ea typeface="+mn-lt"/>
+                <a:cs typeface="+mn-lt"/>
+              </a:rPr>
+              <a:t>izvodi</a:t>
+            </a:r>
+            <a:r>
+              <a:rPr lang="en-US" dirty="0">
+                <a:ea typeface="+mn-lt"/>
+                <a:cs typeface="+mn-lt"/>
+              </a:rPr>
+              <a:t> KO </a:t>
+            </a:r>
+            <a:r>
+              <a:rPr lang="en-US" dirty="0" err="1">
+                <a:ea typeface="+mn-lt"/>
+                <a:cs typeface="+mn-lt"/>
+              </a:rPr>
+              <a:t>tek</a:t>
+            </a:r>
+            <a:r>
+              <a:rPr lang="en-US" dirty="0">
+                <a:ea typeface="+mn-lt"/>
+                <a:cs typeface="+mn-lt"/>
+              </a:rPr>
+              <a:t> </a:t>
+            </a:r>
+            <a:r>
+              <a:rPr lang="en-US" dirty="0" err="1">
+                <a:ea typeface="+mn-lt"/>
+                <a:cs typeface="+mn-lt"/>
+              </a:rPr>
+              <a:t>nakon</a:t>
+            </a:r>
+            <a:r>
+              <a:rPr lang="en-US" dirty="0">
+                <a:ea typeface="+mn-lt"/>
+                <a:cs typeface="+mn-lt"/>
+              </a:rPr>
+              <a:t> </a:t>
+            </a:r>
+            <a:r>
+              <a:rPr lang="en-US" dirty="0" err="1">
+                <a:ea typeface="+mn-lt"/>
+                <a:cs typeface="+mn-lt"/>
+              </a:rPr>
+              <a:t>što</a:t>
+            </a:r>
+            <a:r>
+              <a:rPr lang="en-US" dirty="0">
+                <a:ea typeface="+mn-lt"/>
+                <a:cs typeface="+mn-lt"/>
+              </a:rPr>
+              <a:t> je </a:t>
+            </a:r>
+            <a:r>
+              <a:rPr lang="en-US" dirty="0" err="1">
+                <a:ea typeface="+mn-lt"/>
+                <a:cs typeface="+mn-lt"/>
+              </a:rPr>
+              <a:t>primio</a:t>
+            </a:r>
+            <a:r>
+              <a:rPr lang="en-US" dirty="0">
+                <a:ea typeface="+mn-lt"/>
+                <a:cs typeface="+mn-lt"/>
+              </a:rPr>
+              <a:t> </a:t>
+            </a:r>
+            <a:r>
+              <a:rPr lang="en-US" dirty="0" err="1">
+                <a:ea typeface="+mn-lt"/>
+                <a:cs typeface="+mn-lt"/>
+              </a:rPr>
+              <a:t>poruku</a:t>
+            </a:r>
+            <a:r>
+              <a:rPr lang="en-US" dirty="0">
+                <a:ea typeface="+mn-lt"/>
+                <a:cs typeface="+mn-lt"/>
+              </a:rPr>
+              <a:t> REPLY od </a:t>
+            </a:r>
+            <a:r>
+              <a:rPr lang="en-US" dirty="0" err="1">
+                <a:ea typeface="+mn-lt"/>
+                <a:cs typeface="+mn-lt"/>
+              </a:rPr>
+              <a:t>svakog</a:t>
+            </a:r>
+            <a:r>
+              <a:rPr lang="en-US" dirty="0">
+                <a:ea typeface="+mn-lt"/>
+                <a:cs typeface="+mn-lt"/>
+              </a:rPr>
+              <a:t> </a:t>
+            </a:r>
+            <a:r>
+              <a:rPr lang="en-US" dirty="0" err="1">
+                <a:ea typeface="+mn-lt"/>
+                <a:cs typeface="+mn-lt"/>
+              </a:rPr>
+              <a:t>procesa</a:t>
+            </a:r>
+            <a:r>
+              <a:rPr lang="en-US" dirty="0">
+                <a:ea typeface="+mn-lt"/>
+                <a:cs typeface="+mn-lt"/>
+              </a:rPr>
+              <a:t> u </a:t>
+            </a:r>
+            <a:r>
+              <a:rPr lang="en-US" dirty="0" err="1">
+                <a:ea typeface="+mn-lt"/>
+                <a:cs typeface="+mn-lt"/>
+              </a:rPr>
+              <a:t>Ri</a:t>
+            </a:r>
+            <a:r>
+              <a:rPr lang="en-US" dirty="0">
+                <a:ea typeface="+mn-lt"/>
+                <a:cs typeface="+mn-lt"/>
+              </a:rPr>
+              <a:t>.</a:t>
+            </a:r>
+            <a:endParaRPr lang="en-US" dirty="0">
               <a:cs typeface="Calibri" panose="020F0502020204030204"/>
             </a:endParaRPr>
           </a:p>
@@ -9729,7 +10788,7 @@
           <p:cNvPr id="2" name="Title 1">
             <a:extLst>
               <a:ext uri="{FF2B5EF4-FFF2-40B4-BE49-F238E27FC236}">
-                <a16:creationId xmlns:a16="http://schemas.microsoft.com/office/drawing/2014/main" id="{5200EC38-9E5A-4D11-9F09-64BA0F07F062}"/>
+                <a16:creationId xmlns:a16="http://schemas.microsoft.com/office/drawing/2014/main" xmlns="" id="{5200EC38-9E5A-4D11-9F09-64BA0F07F062}"/>
               </a:ext>
             </a:extLst>
           </p:cNvPr>
@@ -9761,7 +10820,7 @@
           <p:cNvPr id="3" name="Content Placeholder 2">
             <a:extLst>
               <a:ext uri="{FF2B5EF4-FFF2-40B4-BE49-F238E27FC236}">
-                <a16:creationId xmlns:a16="http://schemas.microsoft.com/office/drawing/2014/main" id="{6779691D-2D92-4B4D-B795-7EA76A5F8B78}"/>
+                <a16:creationId xmlns:a16="http://schemas.microsoft.com/office/drawing/2014/main" xmlns="" id="{6779691D-2D92-4B4D-B795-7EA76A5F8B78}"/>
               </a:ext>
             </a:extLst>
           </p:cNvPr>
@@ -10506,6 +11565,10 @@
               <a:r>
                 <a:rPr lang="hr-HR" sz="2000" baseline="-25000" dirty="0"/>
                 <a:t>2</a:t>
+              </a:r>
+              <a:r>
+                <a:rPr lang="hr-HR" sz="2000" dirty="0"/>
+                <a:t/>
               </a:r>
               <a:br>
                 <a:rPr lang="hr-HR" sz="2000" dirty="0"/>
@@ -10652,6 +11715,10 @@
                 <a:rPr lang="hr-HR" sz="2000" baseline="-25000" dirty="0"/>
                 <a:t>2</a:t>
               </a:r>
+              <a:r>
+                <a:rPr lang="hr-HR" sz="2000" dirty="0"/>
+                <a:t/>
+              </a:r>
               <a:br>
                 <a:rPr lang="hr-HR" sz="2000" dirty="0"/>
               </a:br>
@@ -10785,6 +11852,10 @@
               <a:r>
                 <a:rPr lang="hr-HR" sz="2000" baseline="-25000" dirty="0"/>
                 <a:t>2</a:t>
+              </a:r>
+              <a:r>
+                <a:rPr lang="hr-HR" sz="2000" dirty="0"/>
+                <a:t/>
               </a:r>
               <a:br>
                 <a:rPr lang="hr-HR" sz="2000" dirty="0"/>
@@ -11349,6 +12420,13 @@
                 <a:cs typeface="DokChampa" panose="020B0604020202020204" pitchFamily="34" charset="-34"/>
               </a:rPr>
             </a:br>
+            <a:r>
+              <a:rPr lang="hr-HR" dirty="0">
+                <a:ea typeface="Dotum" panose="020B0600000101010101" pitchFamily="34" charset="-127"/>
+                <a:cs typeface="DokChampa" panose="020B0604020202020204" pitchFamily="34" charset="-34"/>
+              </a:rPr>
+              <a:t/>
+            </a:r>
             <a:br>
               <a:rPr lang="hr-HR" dirty="0">
                 <a:ea typeface="Dotum" panose="020B0600000101010101" pitchFamily="34" charset="-127"/>
@@ -11434,6 +12512,13 @@
                 <a:cs typeface="DokChampa" panose="020B0604020202020204" pitchFamily="34" charset="-34"/>
               </a:rPr>
             </a:br>
+            <a:r>
+              <a:rPr lang="hr-HR" dirty="0">
+                <a:ea typeface="Dotum" panose="020B0600000101010101" pitchFamily="34" charset="-127"/>
+                <a:cs typeface="DokChampa" panose="020B0604020202020204" pitchFamily="34" charset="-34"/>
+              </a:rPr>
+              <a:t/>
+            </a:r>
             <a:br>
               <a:rPr lang="hr-HR" dirty="0">
                 <a:ea typeface="Dotum" panose="020B0600000101010101" pitchFamily="34" charset="-127"/>
